--- a/presentation/Functional Programming.pptx
+++ b/presentation/Functional Programming.pptx
@@ -3017,6 +3017,12 @@
               <a:t>Jhorlin De Armas</a:t>
             </a:r>
           </a:p>
+          <a:p>
+            <a:r>
+              <a:rPr lang="en-US" dirty="0" smtClean="0"/>
+              <a:t>Software Architect</a:t>
+            </a:r>
+          </a:p>
         </p:txBody>
       </p:sp>
     </p:spTree>
